--- a/HS101/Macro/Slides/AC-HS 101-S1-2019-Measuring Economic Activity.pptx
+++ b/HS101/Macro/Slides/AC-HS 101-S1-2019-Measuring Economic Activity.pptx
@@ -326,7 +326,7 @@
               <a:pPr>
                 <a:defRPr/>
               </a:pPr>
-              <a:t>9/28/2019</a:t>
+              <a:t>10/15/2019</a:t>
             </a:fld>
             <a:endParaRPr lang="en-US"/>
           </a:p>
